--- a/doc/架构图.pptx
+++ b/doc/架构图.pptx
@@ -2678,7 +2678,7 @@
         <p:spPr>
           <a:xfrm>
             <a:off x="3662680" y="1969135"/>
-            <a:ext cx="1049020" cy="1073150"/>
+            <a:ext cx="1049020" cy="1338580"/>
           </a:xfrm>
           <a:prstGeom prst="roundRect">
             <a:avLst/>
@@ -2714,6 +2714,18 @@
             </a:r>
             <a:endParaRPr lang="zh-CN" altLang="zh-CN"/>
           </a:p>
+          <a:p>
+            <a:pPr algn="ctr"/>
+            <a:endParaRPr lang="zh-CN" altLang="zh-CN"/>
+          </a:p>
+          <a:p>
+            <a:pPr algn="ctr"/>
+            <a:endParaRPr lang="zh-CN" altLang="zh-CN"/>
+          </a:p>
+          <a:p>
+            <a:pPr algn="ctr"/>
+            <a:endParaRPr lang="zh-CN" altLang="zh-CN"/>
+          </a:p>
         </p:txBody>
       </p:sp>
       <p:sp>
@@ -3110,7 +3122,7 @@
         </p:nvSpPr>
         <p:spPr>
           <a:xfrm>
-            <a:off x="4921885" y="221615"/>
+            <a:off x="6001385" y="143510"/>
             <a:ext cx="1403350" cy="706755"/>
           </a:xfrm>
           <a:prstGeom prst="rect">
@@ -3153,8 +3165,8 @@
         </p:nvCxnSpPr>
         <p:spPr>
           <a:xfrm flipV="1">
-            <a:off x="4446270" y="1224915"/>
-            <a:ext cx="647700" cy="471170"/>
+            <a:off x="4446270" y="998855"/>
+            <a:ext cx="1472565" cy="697230"/>
           </a:xfrm>
           <a:prstGeom prst="straightConnector1">
             <a:avLst/>
@@ -3185,9 +3197,9 @@
           <p:nvPr/>
         </p:nvCxnSpPr>
         <p:spPr>
-          <a:xfrm flipH="1" flipV="1">
-            <a:off x="6203315" y="1185545"/>
-            <a:ext cx="510540" cy="500380"/>
+          <a:xfrm flipV="1">
+            <a:off x="6713855" y="1018540"/>
+            <a:ext cx="0" cy="667385"/>
           </a:xfrm>
           <a:prstGeom prst="straightConnector1">
             <a:avLst/>
@@ -3219,7 +3231,7 @@
         </p:nvSpPr>
         <p:spPr>
           <a:xfrm>
-            <a:off x="3769360" y="2757170"/>
+            <a:off x="3729990" y="2538095"/>
             <a:ext cx="836295" cy="205740"/>
           </a:xfrm>
           <a:prstGeom prst="rect">
@@ -3249,6 +3261,132 @@
             <a:r>
               <a:rPr lang="en-US" altLang="zh-CN"/>
               <a:t>ribbon</a:t>
+            </a:r>
+            <a:endParaRPr lang="en-US" altLang="zh-CN"/>
+          </a:p>
+        </p:txBody>
+      </p:sp>
+      <p:sp>
+        <p:nvSpPr>
+          <p:cNvPr id="3" name="圆角矩形 2"/>
+          <p:cNvSpPr/>
+          <p:nvPr/>
+        </p:nvSpPr>
+        <p:spPr>
+          <a:xfrm>
+            <a:off x="8539480" y="1883410"/>
+            <a:ext cx="1176655" cy="1243965"/>
+          </a:xfrm>
+          <a:prstGeom prst="roundRect">
+            <a:avLst/>
+          </a:prstGeom>
+        </p:spPr>
+        <p:style>
+          <a:lnRef idx="2">
+            <a:schemeClr val="accent6">
+              <a:shade val="50000"/>
+            </a:schemeClr>
+          </a:lnRef>
+          <a:fillRef idx="1">
+            <a:schemeClr val="accent6"/>
+          </a:fillRef>
+          <a:effectRef idx="0">
+            <a:schemeClr val="accent6"/>
+          </a:effectRef>
+          <a:fontRef idx="minor">
+            <a:schemeClr val="lt1"/>
+          </a:fontRef>
+        </p:style>
+        <p:txBody>
+          <a:bodyPr rtlCol="0" anchor="ctr"/>
+          <a:p>
+            <a:pPr algn="ctr"/>
+            <a:r>
+              <a:rPr lang="zh-CN" altLang="en-US"/>
+              <a:t>统一配置服务</a:t>
+            </a:r>
+            <a:br>
+              <a:rPr lang="zh-CN" altLang="en-US"/>
+            </a:br>
+            <a:r>
+              <a:rPr lang="en-US" altLang="zh-CN"/>
+              <a:t>config-server</a:t>
+            </a:r>
+            <a:endParaRPr lang="en-US" altLang="zh-CN"/>
+          </a:p>
+        </p:txBody>
+      </p:sp>
+      <p:cxnSp>
+        <p:nvCxnSpPr>
+          <p:cNvPr id="4" name="直接箭头连接符 3"/>
+          <p:cNvCxnSpPr/>
+          <p:nvPr/>
+        </p:nvCxnSpPr>
+        <p:spPr>
+          <a:xfrm flipH="1" flipV="1">
+            <a:off x="7420610" y="959485"/>
+            <a:ext cx="1237615" cy="768985"/>
+          </a:xfrm>
+          <a:prstGeom prst="straightConnector1">
+            <a:avLst/>
+          </a:prstGeom>
+          <a:ln>
+            <a:tailEnd type="arrow"/>
+          </a:ln>
+        </p:spPr>
+        <p:style>
+          <a:lnRef idx="1">
+            <a:schemeClr val="accent1"/>
+          </a:lnRef>
+          <a:fillRef idx="0">
+            <a:schemeClr val="accent1"/>
+          </a:fillRef>
+          <a:effectRef idx="0">
+            <a:schemeClr val="accent1"/>
+          </a:effectRef>
+          <a:fontRef idx="minor">
+            <a:schemeClr val="tx1"/>
+          </a:fontRef>
+        </p:style>
+      </p:cxnSp>
+      <p:sp>
+        <p:nvSpPr>
+          <p:cNvPr id="12" name="矩形 11"/>
+          <p:cNvSpPr/>
+          <p:nvPr/>
+        </p:nvSpPr>
+        <p:spPr>
+          <a:xfrm>
+            <a:off x="3730625" y="2837180"/>
+            <a:ext cx="913130" cy="392430"/>
+          </a:xfrm>
+          <a:prstGeom prst="rect">
+            <a:avLst/>
+          </a:prstGeom>
+        </p:spPr>
+        <p:style>
+          <a:lnRef idx="2">
+            <a:schemeClr val="accent4">
+              <a:shade val="50000"/>
+            </a:schemeClr>
+          </a:lnRef>
+          <a:fillRef idx="1">
+            <a:schemeClr val="accent4"/>
+          </a:fillRef>
+          <a:effectRef idx="0">
+            <a:schemeClr val="accent4"/>
+          </a:effectRef>
+          <a:fontRef idx="minor">
+            <a:schemeClr val="lt1"/>
+          </a:fontRef>
+        </p:style>
+        <p:txBody>
+          <a:bodyPr rtlCol="0" anchor="ctr"/>
+          <a:p>
+            <a:pPr algn="ctr"/>
+            <a:r>
+              <a:rPr lang="en-US" altLang="zh-CN"/>
+              <a:t>config-client</a:t>
             </a:r>
             <a:endParaRPr lang="en-US" altLang="zh-CN"/>
           </a:p>
